--- a/slides/On-Campus/04_01_GitHub_IDE.pptx
+++ b/slides/On-Campus/04_01_GitHub_IDE.pptx
@@ -5860,14 +5860,14 @@
   <p:clrMapOvr>
     <a:masterClrMapping/>
   </p:clrMapOvr>
-  <mc:AlternateContent xmlns:mc="http://schemas.openxmlformats.org/markup-compatibility/2006" xmlns:p14="http://schemas.microsoft.com/office/powerpoint/2010/main">
-    <mc:Choice Requires="p14">
-      <p:transition p14:dur="300">
+  <mc:AlternateContent xmlns:mc="http://schemas.openxmlformats.org/markup-compatibility/2006">
+    <mc:Choice xmlns:p14="http://schemas.microsoft.com/office/powerpoint/2010/main" Requires="p14">
+      <p:transition p14:dur="300" advTm="38129">
         <p:fade/>
       </p:transition>
     </mc:Choice>
-    <mc:Fallback xmlns="">
-      <p:transition>
+    <mc:Fallback>
+      <p:transition advTm="38129">
         <p:fade/>
       </p:transition>
     </mc:Fallback>
@@ -5976,14 +5976,14 @@
   <p:clrMapOvr>
     <a:masterClrMapping/>
   </p:clrMapOvr>
-  <mc:AlternateContent xmlns:mc="http://schemas.openxmlformats.org/markup-compatibility/2006" xmlns:p14="http://schemas.microsoft.com/office/powerpoint/2010/main">
-    <mc:Choice Requires="p14">
-      <p:transition p14:dur="300">
+  <mc:AlternateContent xmlns:mc="http://schemas.openxmlformats.org/markup-compatibility/2006">
+    <mc:Choice xmlns:p14="http://schemas.microsoft.com/office/powerpoint/2010/main" Requires="p14">
+      <p:transition p14:dur="300" advTm="40270">
         <p:fade/>
       </p:transition>
     </mc:Choice>
-    <mc:Fallback xmlns="">
-      <p:transition>
+    <mc:Fallback>
+      <p:transition advTm="40270">
         <p:fade/>
       </p:transition>
     </mc:Fallback>
@@ -5992,7 +5992,7 @@
 </file>
 
 <file path=ppt/slides/slide2.xml><?xml version="1.0" encoding="utf-8"?>
-<p:sld xmlns:a="http://schemas.openxmlformats.org/drawingml/2006/main" xmlns:r="http://schemas.openxmlformats.org/officeDocument/2006/relationships" xmlns:p="http://schemas.openxmlformats.org/presentationml/2006/main" show="0">
+<p:sld xmlns:a="http://schemas.openxmlformats.org/drawingml/2006/main" xmlns:r="http://schemas.openxmlformats.org/officeDocument/2006/relationships" xmlns:p="http://schemas.openxmlformats.org/presentationml/2006/main">
   <p:cSld>
     <p:spTree>
       <p:nvGrpSpPr>
@@ -6671,14 +6671,14 @@
   <p:clrMapOvr>
     <a:masterClrMapping/>
   </p:clrMapOvr>
-  <mc:AlternateContent xmlns:mc="http://schemas.openxmlformats.org/markup-compatibility/2006" xmlns:p14="http://schemas.microsoft.com/office/powerpoint/2010/main">
-    <mc:Choice Requires="p14">
-      <p:transition p14:dur="300">
+  <mc:AlternateContent xmlns:mc="http://schemas.openxmlformats.org/markup-compatibility/2006">
+    <mc:Choice xmlns:p14="http://schemas.microsoft.com/office/powerpoint/2010/main" Requires="p14">
+      <p:transition p14:dur="300" advTm="170509">
         <p:fade/>
       </p:transition>
     </mc:Choice>
-    <mc:Fallback xmlns="">
-      <p:transition>
+    <mc:Fallback>
+      <p:transition advTm="170509">
         <p:fade/>
       </p:transition>
     </mc:Fallback>
@@ -6799,7 +6799,7 @@
             <a:pPr lvl="1"/>
             <a:r>
               <a:rPr lang="en-US" dirty="0"/>
-              <a:t>Put up *personal projects* that mean something to you</a:t>
+              <a:t>Put up *personal projects* that mean something to you (Portfolio)</a:t>
             </a:r>
           </a:p>
           <a:p>
@@ -6832,8 +6832,12 @@
           <a:p>
             <a:pPr lvl="1"/>
             <a:r>
+              <a:rPr lang="en-US" b="1" u="sng" dirty="0"/>
+              <a:t>Don’t</a:t>
+            </a:r>
+            <a:r>
               <a:rPr lang="en-US" b="1" dirty="0"/>
-              <a:t>Put code created for a class as public repositories</a:t>
+              <a:t> put code created for a class as public repositories</a:t>
             </a:r>
           </a:p>
           <a:p>
@@ -6861,7 +6865,7 @@
             <a:pPr lvl="1"/>
             <a:r>
               <a:rPr lang="en-US" dirty="0"/>
-              <a:t>Be rude</a:t>
+              <a:t>Don’t be rude</a:t>
             </a:r>
           </a:p>
         </p:txBody>
@@ -6876,14 +6880,14 @@
   <p:clrMapOvr>
     <a:masterClrMapping/>
   </p:clrMapOvr>
-  <mc:AlternateContent xmlns:mc="http://schemas.openxmlformats.org/markup-compatibility/2006" xmlns:p14="http://schemas.microsoft.com/office/powerpoint/2010/main">
-    <mc:Choice Requires="p14">
-      <p:transition p14:dur="300">
+  <mc:AlternateContent xmlns:mc="http://schemas.openxmlformats.org/markup-compatibility/2006">
+    <mc:Choice xmlns:p14="http://schemas.microsoft.com/office/powerpoint/2010/main" Requires="p14">
+      <p:transition p14:dur="300" advTm="199979">
         <p:fade/>
       </p:transition>
     </mc:Choice>
-    <mc:Fallback xmlns="">
-      <p:transition>
+    <mc:Fallback>
+      <p:transition advTm="199979">
         <p:fade/>
       </p:transition>
     </mc:Fallback>
@@ -7079,7 +7083,7 @@
             <a:pPr lvl="2"/>
             <a:r>
               <a:rPr lang="en-US" b="1" dirty="0"/>
-              <a:t>git pull</a:t>
+              <a:t>git pull origin main</a:t>
             </a:r>
             <a:endParaRPr lang="en-US" dirty="0"/>
           </a:p>
@@ -7095,14 +7099,14 @@
   <p:clrMapOvr>
     <a:masterClrMapping/>
   </p:clrMapOvr>
-  <mc:AlternateContent xmlns:mc="http://schemas.openxmlformats.org/markup-compatibility/2006" xmlns:p14="http://schemas.microsoft.com/office/powerpoint/2010/main">
-    <mc:Choice Requires="p14">
-      <p:transition p14:dur="300">
+  <mc:AlternateContent xmlns:mc="http://schemas.openxmlformats.org/markup-compatibility/2006">
+    <mc:Choice xmlns:p14="http://schemas.microsoft.com/office/powerpoint/2010/main" Requires="p14">
+      <p:transition p14:dur="300" advTm="181599">
         <p:fade/>
       </p:transition>
     </mc:Choice>
-    <mc:Fallback xmlns="">
-      <p:transition>
+    <mc:Fallback>
+      <p:transition advTm="181599">
         <p:fade/>
       </p:transition>
     </mc:Fallback>
@@ -7111,7 +7115,7 @@
 </file>
 
 <file path=ppt/slides/slide6.xml><?xml version="1.0" encoding="utf-8"?>
-<p:sld xmlns:a="http://schemas.openxmlformats.org/drawingml/2006/main" xmlns:r="http://schemas.openxmlformats.org/officeDocument/2006/relationships" xmlns:p="http://schemas.openxmlformats.org/presentationml/2006/main" show="0">
+<p:sld xmlns:a="http://schemas.openxmlformats.org/drawingml/2006/main" xmlns:r="http://schemas.openxmlformats.org/officeDocument/2006/relationships" xmlns:p="http://schemas.openxmlformats.org/presentationml/2006/main">
   <p:cSld>
     <p:spTree>
       <p:nvGrpSpPr>
@@ -7337,14 +7341,14 @@
   <p:clrMapOvr>
     <a:masterClrMapping/>
   </p:clrMapOvr>
-  <mc:AlternateContent xmlns:mc="http://schemas.openxmlformats.org/markup-compatibility/2006" xmlns:p14="http://schemas.microsoft.com/office/powerpoint/2010/main">
-    <mc:Choice Requires="p14">
-      <p:transition p14:dur="300">
+  <mc:AlternateContent xmlns:mc="http://schemas.openxmlformats.org/markup-compatibility/2006">
+    <mc:Choice xmlns:p14="http://schemas.microsoft.com/office/powerpoint/2010/main" Requires="p14">
+      <p:transition p14:dur="300" advTm="29108">
         <p:fade/>
       </p:transition>
     </mc:Choice>
-    <mc:Fallback xmlns="">
-      <p:transition>
+    <mc:Fallback>
+      <p:transition advTm="29108">
         <p:fade/>
       </p:transition>
     </mc:Fallback>
@@ -7420,7 +7424,7 @@
         </p:nvSpPr>
         <p:spPr>
           <a:xfrm>
-            <a:off x="628075" y="2487883"/>
+            <a:off x="628073" y="2088638"/>
             <a:ext cx="12561453" cy="4441729"/>
           </a:xfrm>
         </p:spPr>
@@ -7510,14 +7514,14 @@
   <p:clrMapOvr>
     <a:masterClrMapping/>
   </p:clrMapOvr>
-  <mc:AlternateContent xmlns:mc="http://schemas.openxmlformats.org/markup-compatibility/2006" xmlns:p14="http://schemas.microsoft.com/office/powerpoint/2010/main">
-    <mc:Choice Requires="p14">
-      <p:transition p14:dur="300">
+  <mc:AlternateContent xmlns:mc="http://schemas.openxmlformats.org/markup-compatibility/2006">
+    <mc:Choice xmlns:p14="http://schemas.microsoft.com/office/powerpoint/2010/main" Requires="p14">
+      <p:transition p14:dur="300" advTm="81753">
         <p:fade/>
       </p:transition>
     </mc:Choice>
-    <mc:Fallback xmlns="">
-      <p:transition>
+    <mc:Fallback>
+      <p:transition advTm="81753">
         <p:fade/>
       </p:transition>
     </mc:Fallback>
@@ -7624,7 +7628,7 @@
             <a:pPr lvl="2"/>
             <a:r>
               <a:rPr lang="en-US" dirty="0"/>
-              <a:t>FULL IDE / Suit</a:t>
+              <a:t>Full development Suit</a:t>
             </a:r>
           </a:p>
           <a:p>
@@ -7716,14 +7720,14 @@
   <p:clrMapOvr>
     <a:masterClrMapping/>
   </p:clrMapOvr>
-  <mc:AlternateContent xmlns:mc="http://schemas.openxmlformats.org/markup-compatibility/2006" xmlns:p14="http://schemas.microsoft.com/office/powerpoint/2010/main">
-    <mc:Choice Requires="p14">
-      <p:transition p14:dur="300">
+  <mc:AlternateContent xmlns:mc="http://schemas.openxmlformats.org/markup-compatibility/2006">
+    <mc:Choice xmlns:p14="http://schemas.microsoft.com/office/powerpoint/2010/main" Requires="p14">
+      <p:transition p14:dur="300" advTm="155321">
         <p:fade/>
       </p:transition>
     </mc:Choice>
-    <mc:Fallback xmlns="">
-      <p:transition>
+    <mc:Fallback>
+      <p:transition advTm="155321">
         <p:fade/>
       </p:transition>
     </mc:Fallback>

--- a/slides/On-Campus/04_01_GitHub_IDE.pptx
+++ b/slides/On-Campus/04_01_GitHub_IDE.pptx
@@ -5862,12 +5862,12 @@
   </p:clrMapOvr>
   <mc:AlternateContent xmlns:mc="http://schemas.openxmlformats.org/markup-compatibility/2006">
     <mc:Choice xmlns:p14="http://schemas.microsoft.com/office/powerpoint/2010/main" Requires="p14">
-      <p:transition p14:dur="300" advTm="38129">
+      <p:transition p14:dur="300">
         <p:fade/>
       </p:transition>
     </mc:Choice>
     <mc:Fallback>
-      <p:transition advTm="38129">
+      <p:transition>
         <p:fade/>
       </p:transition>
     </mc:Fallback>
@@ -5978,12 +5978,12 @@
   </p:clrMapOvr>
   <mc:AlternateContent xmlns:mc="http://schemas.openxmlformats.org/markup-compatibility/2006">
     <mc:Choice xmlns:p14="http://schemas.microsoft.com/office/powerpoint/2010/main" Requires="p14">
-      <p:transition p14:dur="300" advTm="40270">
+      <p:transition p14:dur="300">
         <p:fade/>
       </p:transition>
     </mc:Choice>
     <mc:Fallback>
-      <p:transition advTm="40270">
+      <p:transition>
         <p:fade/>
       </p:transition>
     </mc:Fallback>
@@ -6673,12 +6673,12 @@
   </p:clrMapOvr>
   <mc:AlternateContent xmlns:mc="http://schemas.openxmlformats.org/markup-compatibility/2006">
     <mc:Choice xmlns:p14="http://schemas.microsoft.com/office/powerpoint/2010/main" Requires="p14">
-      <p:transition p14:dur="300" advTm="170509">
+      <p:transition p14:dur="300">
         <p:fade/>
       </p:transition>
     </mc:Choice>
     <mc:Fallback>
-      <p:transition advTm="170509">
+      <p:transition>
         <p:fade/>
       </p:transition>
     </mc:Fallback>
@@ -6882,12 +6882,12 @@
   </p:clrMapOvr>
   <mc:AlternateContent xmlns:mc="http://schemas.openxmlformats.org/markup-compatibility/2006">
     <mc:Choice xmlns:p14="http://schemas.microsoft.com/office/powerpoint/2010/main" Requires="p14">
-      <p:transition p14:dur="300" advTm="199979">
+      <p:transition p14:dur="300">
         <p:fade/>
       </p:transition>
     </mc:Choice>
     <mc:Fallback>
-      <p:transition advTm="199979">
+      <p:transition>
         <p:fade/>
       </p:transition>
     </mc:Fallback>
@@ -7101,12 +7101,12 @@
   </p:clrMapOvr>
   <mc:AlternateContent xmlns:mc="http://schemas.openxmlformats.org/markup-compatibility/2006">
     <mc:Choice xmlns:p14="http://schemas.microsoft.com/office/powerpoint/2010/main" Requires="p14">
-      <p:transition p14:dur="300" advTm="181599">
+      <p:transition p14:dur="300">
         <p:fade/>
       </p:transition>
     </mc:Choice>
     <mc:Fallback>
-      <p:transition advTm="181599">
+      <p:transition>
         <p:fade/>
       </p:transition>
     </mc:Fallback>
@@ -7343,12 +7343,12 @@
   </p:clrMapOvr>
   <mc:AlternateContent xmlns:mc="http://schemas.openxmlformats.org/markup-compatibility/2006">
     <mc:Choice xmlns:p14="http://schemas.microsoft.com/office/powerpoint/2010/main" Requires="p14">
-      <p:transition p14:dur="300" advTm="29108">
+      <p:transition p14:dur="300">
         <p:fade/>
       </p:transition>
     </mc:Choice>
     <mc:Fallback>
-      <p:transition advTm="29108">
+      <p:transition>
         <p:fade/>
       </p:transition>
     </mc:Fallback>
@@ -7516,12 +7516,12 @@
   </p:clrMapOvr>
   <mc:AlternateContent xmlns:mc="http://schemas.openxmlformats.org/markup-compatibility/2006">
     <mc:Choice xmlns:p14="http://schemas.microsoft.com/office/powerpoint/2010/main" Requires="p14">
-      <p:transition p14:dur="300" advTm="81753">
+      <p:transition p14:dur="300">
         <p:fade/>
       </p:transition>
     </mc:Choice>
     <mc:Fallback>
-      <p:transition advTm="81753">
+      <p:transition>
         <p:fade/>
       </p:transition>
     </mc:Fallback>
@@ -7722,12 +7722,12 @@
   </p:clrMapOvr>
   <mc:AlternateContent xmlns:mc="http://schemas.openxmlformats.org/markup-compatibility/2006">
     <mc:Choice xmlns:p14="http://schemas.microsoft.com/office/powerpoint/2010/main" Requires="p14">
-      <p:transition p14:dur="300" advTm="155321">
+      <p:transition p14:dur="300">
         <p:fade/>
       </p:transition>
     </mc:Choice>
     <mc:Fallback>
-      <p:transition advTm="155321">
+      <p:transition>
         <p:fade/>
       </p:transition>
     </mc:Fallback>
